--- a/ppt_more_slides.pptx
+++ b/ppt_more_slides.pptx
@@ -3156,7 +3156,7 @@
                   </c:numRef>
                 </c:val>
                 <c:smooth val="0"/>
-                <c:extLst>
+                <c:extLst xmlns:c15="http://schemas.microsoft.com/office/drawing/2012/chart">
                   <c:ext xmlns:c16="http://schemas.microsoft.com/office/drawing/2014/chart" uri="{C3380CC4-5D6E-409C-BE32-E72D297353CC}">
                     <c16:uniqueId val="{00000005-7211-4B35-B559-1E2CD020FEF4}"/>
                   </c:ext>
@@ -17561,8 +17561,19 @@
             </a:pPr>
             <a:r>
               <a:rPr lang="en-US" sz="1600" dirty="0"/>
-              <a:t>Not published online, only on localhost</a:t>
+              <a:t>Not published online, only on localhost </a:t>
             </a:r>
+            <a:r>
+              <a:rPr lang="en-US" sz="1600" b="0" i="0" u="none" strike="noStrike" dirty="0">
+                <a:solidFill>
+                  <a:srgbClr val="000000"/>
+                </a:solidFill>
+                <a:effectLst/>
+                <a:latin typeface="Arial" panose="020B0604020202020204" pitchFamily="34" charset="0"/>
+              </a:rPr>
+              <a:t>and an error while displaying forecasted output.</a:t>
+            </a:r>
+            <a:endParaRPr lang="en-US" sz="1600" dirty="0"/>
           </a:p>
           <a:p>
             <a:pPr marL="285750" indent="-285750">
@@ -17571,8 +17582,13 @@
             </a:pPr>
             <a:r>
               <a:rPr lang="en-US" sz="1600" dirty="0"/>
-              <a:t>Change week number to dates</a:t>
+              <a:t>Change week number </a:t>
             </a:r>
+            <a:r>
+              <a:rPr lang="en-US" sz="1600"/>
+              <a:t>to dates.</a:t>
+            </a:r>
+            <a:endParaRPr lang="en-US" sz="1600" dirty="0"/>
           </a:p>
           <a:p>
             <a:pPr marL="285750" indent="-285750">
@@ -17581,15 +17597,7 @@
             </a:pPr>
             <a:r>
               <a:rPr lang="en-US" sz="1600" dirty="0"/>
-              <a:t>Change enter latitude, longitude, to select on map </a:t>
-            </a:r>
-            <a:r>
-              <a:rPr lang="en-US" sz="1600"/>
-              <a:t>which picks latitude and longitude as </a:t>
-            </a:r>
-            <a:r>
-              <a:rPr lang="en-US" sz="1600" dirty="0"/>
-              <a:t>input</a:t>
+              <a:t>Change enter latitude, longitude, to select on map which picks latitude and longitude as input</a:t>
             </a:r>
             <a:endParaRPr lang="en-IN" sz="1600" dirty="0"/>
           </a:p>
